--- a/ppt 16-9/0237.主钉十架.pptx
+++ b/ppt 16-9/0237.主钉十架.pptx
@@ -129,7 +129,7 @@
           <p:cNvPr id="2" name="标题 1">
             <a:extLst>
               <a:ext uri="{FF2B5EF4-FFF2-40B4-BE49-F238E27FC236}">
-                <a16:creationId xmlns:a16="http://schemas.microsoft.com/office/drawing/2014/main" id="{985ADB0F-AACC-EBCC-C4EA-E66DFF37F145}"/>
+                <a16:creationId xmlns:a16="http://schemas.microsoft.com/office/drawing/2014/main" id="{E98D2835-9F83-6604-CB91-BAE5E5D92D0A}"/>
               </a:ext>
             </a:extLst>
           </p:cNvPr>
@@ -166,7 +166,7 @@
           <p:cNvPr id="3" name="副标题 2">
             <a:extLst>
               <a:ext uri="{FF2B5EF4-FFF2-40B4-BE49-F238E27FC236}">
-                <a16:creationId xmlns:a16="http://schemas.microsoft.com/office/drawing/2014/main" id="{C37F26B5-B069-A146-C4F3-144BC6E60C09}"/>
+                <a16:creationId xmlns:a16="http://schemas.microsoft.com/office/drawing/2014/main" id="{B30E9E43-0746-A6AA-E3F3-CF04B5573E55}"/>
               </a:ext>
             </a:extLst>
           </p:cNvPr>
@@ -236,7 +236,7 @@
           <p:cNvPr id="4" name="日期占位符 3">
             <a:extLst>
               <a:ext uri="{FF2B5EF4-FFF2-40B4-BE49-F238E27FC236}">
-                <a16:creationId xmlns:a16="http://schemas.microsoft.com/office/drawing/2014/main" id="{BAE46439-A2A0-6E02-258B-C77BBEF26FB1}"/>
+                <a16:creationId xmlns:a16="http://schemas.microsoft.com/office/drawing/2014/main" id="{AE649EF8-54D9-CBC5-0310-5F2ED42D9A9E}"/>
               </a:ext>
             </a:extLst>
           </p:cNvPr>
@@ -252,7 +252,7 @@
           <a:bodyPr/>
           <a:lstStyle/>
           <a:p>
-            <a:fld id="{EA730FA8-59E1-4827-8A53-76D69E104A9F}" type="datetimeFigureOut">
+            <a:fld id="{916D065F-0BE5-4038-B1DD-D296D4E41CC1}" type="datetimeFigureOut">
               <a:rPr lang="zh-CN" altLang="en-US" smtClean="0"/>
               <a:t>2024/3/10</a:t>
             </a:fld>
@@ -265,7 +265,7 @@
           <p:cNvPr id="5" name="页脚占位符 4">
             <a:extLst>
               <a:ext uri="{FF2B5EF4-FFF2-40B4-BE49-F238E27FC236}">
-                <a16:creationId xmlns:a16="http://schemas.microsoft.com/office/drawing/2014/main" id="{BDFAEA6B-F4B0-A50C-FCA1-BE9761B23BB2}"/>
+                <a16:creationId xmlns:a16="http://schemas.microsoft.com/office/drawing/2014/main" id="{1037608E-1F2D-A57C-4086-A648D47C20BA}"/>
               </a:ext>
             </a:extLst>
           </p:cNvPr>
@@ -290,7 +290,7 @@
           <p:cNvPr id="6" name="灯片编号占位符 5">
             <a:extLst>
               <a:ext uri="{FF2B5EF4-FFF2-40B4-BE49-F238E27FC236}">
-                <a16:creationId xmlns:a16="http://schemas.microsoft.com/office/drawing/2014/main" id="{32DC36CC-87E7-14AA-7244-B078CF54CB8A}"/>
+                <a16:creationId xmlns:a16="http://schemas.microsoft.com/office/drawing/2014/main" id="{BCA86131-90E9-ACC8-CA68-D4B814DCEA98}"/>
               </a:ext>
             </a:extLst>
           </p:cNvPr>
@@ -306,7 +306,7 @@
           <a:bodyPr/>
           <a:lstStyle/>
           <a:p>
-            <a:fld id="{789E09A1-7257-4164-AFCE-BCE09FE9B256}" type="slidenum">
+            <a:fld id="{DEBCE386-224B-4637-80E6-B90F526D7AA5}" type="slidenum">
               <a:rPr lang="zh-CN" altLang="en-US" smtClean="0"/>
               <a:t>‹#›</a:t>
             </a:fld>
@@ -317,7 +317,7 @@
     </p:spTree>
     <p:extLst>
       <p:ext uri="{BB962C8B-B14F-4D97-AF65-F5344CB8AC3E}">
-        <p14:creationId xmlns:p14="http://schemas.microsoft.com/office/powerpoint/2010/main" val="1550548277"/>
+        <p14:creationId xmlns:p14="http://schemas.microsoft.com/office/powerpoint/2010/main" val="1385540863"/>
       </p:ext>
     </p:extLst>
   </p:cSld>
@@ -349,7 +349,7 @@
           <p:cNvPr id="2" name="标题 1">
             <a:extLst>
               <a:ext uri="{FF2B5EF4-FFF2-40B4-BE49-F238E27FC236}">
-                <a16:creationId xmlns:a16="http://schemas.microsoft.com/office/drawing/2014/main" id="{9E6EE90A-22C9-A42C-34EB-2B9D2DD5CC2F}"/>
+                <a16:creationId xmlns:a16="http://schemas.microsoft.com/office/drawing/2014/main" id="{FF6518B4-32A2-5691-CF82-DDAD5D5C2471}"/>
               </a:ext>
             </a:extLst>
           </p:cNvPr>
@@ -377,7 +377,7 @@
           <p:cNvPr id="3" name="竖排文字占位符 2">
             <a:extLst>
               <a:ext uri="{FF2B5EF4-FFF2-40B4-BE49-F238E27FC236}">
-                <a16:creationId xmlns:a16="http://schemas.microsoft.com/office/drawing/2014/main" id="{6169CC63-B865-0073-3E81-2B2F926DBBED}"/>
+                <a16:creationId xmlns:a16="http://schemas.microsoft.com/office/drawing/2014/main" id="{0A3191BB-FF70-EDAE-CA0A-03EC74CF45E0}"/>
               </a:ext>
             </a:extLst>
           </p:cNvPr>
@@ -434,7 +434,7 @@
           <p:cNvPr id="4" name="日期占位符 3">
             <a:extLst>
               <a:ext uri="{FF2B5EF4-FFF2-40B4-BE49-F238E27FC236}">
-                <a16:creationId xmlns:a16="http://schemas.microsoft.com/office/drawing/2014/main" id="{09D06B7F-1FD8-7329-C62B-303843003B5F}"/>
+                <a16:creationId xmlns:a16="http://schemas.microsoft.com/office/drawing/2014/main" id="{925C5B38-B017-1BC7-2982-04AC5D276059}"/>
               </a:ext>
             </a:extLst>
           </p:cNvPr>
@@ -450,7 +450,7 @@
           <a:bodyPr/>
           <a:lstStyle/>
           <a:p>
-            <a:fld id="{EA730FA8-59E1-4827-8A53-76D69E104A9F}" type="datetimeFigureOut">
+            <a:fld id="{916D065F-0BE5-4038-B1DD-D296D4E41CC1}" type="datetimeFigureOut">
               <a:rPr lang="zh-CN" altLang="en-US" smtClean="0"/>
               <a:t>2024/3/10</a:t>
             </a:fld>
@@ -463,7 +463,7 @@
           <p:cNvPr id="5" name="页脚占位符 4">
             <a:extLst>
               <a:ext uri="{FF2B5EF4-FFF2-40B4-BE49-F238E27FC236}">
-                <a16:creationId xmlns:a16="http://schemas.microsoft.com/office/drawing/2014/main" id="{DE5BC51D-53D4-E8A6-B75F-6C5ADDBE3332}"/>
+                <a16:creationId xmlns:a16="http://schemas.microsoft.com/office/drawing/2014/main" id="{9D2FE26E-D5B3-2D15-37D8-59854A39E048}"/>
               </a:ext>
             </a:extLst>
           </p:cNvPr>
@@ -488,7 +488,7 @@
           <p:cNvPr id="6" name="灯片编号占位符 5">
             <a:extLst>
               <a:ext uri="{FF2B5EF4-FFF2-40B4-BE49-F238E27FC236}">
-                <a16:creationId xmlns:a16="http://schemas.microsoft.com/office/drawing/2014/main" id="{8042221C-E814-EFA9-7AB8-06CAEF86DFF8}"/>
+                <a16:creationId xmlns:a16="http://schemas.microsoft.com/office/drawing/2014/main" id="{DB5E1830-7C11-9644-E8C8-AEF079D009BF}"/>
               </a:ext>
             </a:extLst>
           </p:cNvPr>
@@ -504,7 +504,7 @@
           <a:bodyPr/>
           <a:lstStyle/>
           <a:p>
-            <a:fld id="{789E09A1-7257-4164-AFCE-BCE09FE9B256}" type="slidenum">
+            <a:fld id="{DEBCE386-224B-4637-80E6-B90F526D7AA5}" type="slidenum">
               <a:rPr lang="zh-CN" altLang="en-US" smtClean="0"/>
               <a:t>‹#›</a:t>
             </a:fld>
@@ -515,7 +515,7 @@
     </p:spTree>
     <p:extLst>
       <p:ext uri="{BB962C8B-B14F-4D97-AF65-F5344CB8AC3E}">
-        <p14:creationId xmlns:p14="http://schemas.microsoft.com/office/powerpoint/2010/main" val="2361044577"/>
+        <p14:creationId xmlns:p14="http://schemas.microsoft.com/office/powerpoint/2010/main" val="496402276"/>
       </p:ext>
     </p:extLst>
   </p:cSld>
@@ -547,7 +547,7 @@
           <p:cNvPr id="2" name="竖排标题 1">
             <a:extLst>
               <a:ext uri="{FF2B5EF4-FFF2-40B4-BE49-F238E27FC236}">
-                <a16:creationId xmlns:a16="http://schemas.microsoft.com/office/drawing/2014/main" id="{36C80A3F-F67F-C65F-ADA5-6E034413B6F7}"/>
+                <a16:creationId xmlns:a16="http://schemas.microsoft.com/office/drawing/2014/main" id="{687D28C5-7A17-B0CA-118E-771EF932B5EF}"/>
               </a:ext>
             </a:extLst>
           </p:cNvPr>
@@ -580,7 +580,7 @@
           <p:cNvPr id="3" name="竖排文字占位符 2">
             <a:extLst>
               <a:ext uri="{FF2B5EF4-FFF2-40B4-BE49-F238E27FC236}">
-                <a16:creationId xmlns:a16="http://schemas.microsoft.com/office/drawing/2014/main" id="{48577A41-DF7C-C551-5075-257601317378}"/>
+                <a16:creationId xmlns:a16="http://schemas.microsoft.com/office/drawing/2014/main" id="{9E624779-4A6D-9770-4A2A-96D90052F27A}"/>
               </a:ext>
             </a:extLst>
           </p:cNvPr>
@@ -642,7 +642,7 @@
           <p:cNvPr id="4" name="日期占位符 3">
             <a:extLst>
               <a:ext uri="{FF2B5EF4-FFF2-40B4-BE49-F238E27FC236}">
-                <a16:creationId xmlns:a16="http://schemas.microsoft.com/office/drawing/2014/main" id="{0FAF40B3-5025-4ECC-6D56-6F207FF8E15B}"/>
+                <a16:creationId xmlns:a16="http://schemas.microsoft.com/office/drawing/2014/main" id="{91CFD8E1-EA85-EC37-6CAB-3181A869AF70}"/>
               </a:ext>
             </a:extLst>
           </p:cNvPr>
@@ -658,7 +658,7 @@
           <a:bodyPr/>
           <a:lstStyle/>
           <a:p>
-            <a:fld id="{EA730FA8-59E1-4827-8A53-76D69E104A9F}" type="datetimeFigureOut">
+            <a:fld id="{916D065F-0BE5-4038-B1DD-D296D4E41CC1}" type="datetimeFigureOut">
               <a:rPr lang="zh-CN" altLang="en-US" smtClean="0"/>
               <a:t>2024/3/10</a:t>
             </a:fld>
@@ -671,7 +671,7 @@
           <p:cNvPr id="5" name="页脚占位符 4">
             <a:extLst>
               <a:ext uri="{FF2B5EF4-FFF2-40B4-BE49-F238E27FC236}">
-                <a16:creationId xmlns:a16="http://schemas.microsoft.com/office/drawing/2014/main" id="{FE2293D0-2A69-9AA4-8E34-2000E9133AC9}"/>
+                <a16:creationId xmlns:a16="http://schemas.microsoft.com/office/drawing/2014/main" id="{C21CE947-567E-2DC3-C579-5C2A7C7DC863}"/>
               </a:ext>
             </a:extLst>
           </p:cNvPr>
@@ -696,7 +696,7 @@
           <p:cNvPr id="6" name="灯片编号占位符 5">
             <a:extLst>
               <a:ext uri="{FF2B5EF4-FFF2-40B4-BE49-F238E27FC236}">
-                <a16:creationId xmlns:a16="http://schemas.microsoft.com/office/drawing/2014/main" id="{A8521BA0-B3EE-8104-B1AD-9381B9231C67}"/>
+                <a16:creationId xmlns:a16="http://schemas.microsoft.com/office/drawing/2014/main" id="{719F2C7C-8E68-7A0B-A01D-66A2AFE1F6DB}"/>
               </a:ext>
             </a:extLst>
           </p:cNvPr>
@@ -712,7 +712,7 @@
           <a:bodyPr/>
           <a:lstStyle/>
           <a:p>
-            <a:fld id="{789E09A1-7257-4164-AFCE-BCE09FE9B256}" type="slidenum">
+            <a:fld id="{DEBCE386-224B-4637-80E6-B90F526D7AA5}" type="slidenum">
               <a:rPr lang="zh-CN" altLang="en-US" smtClean="0"/>
               <a:t>‹#›</a:t>
             </a:fld>
@@ -723,7 +723,7 @@
     </p:spTree>
     <p:extLst>
       <p:ext uri="{BB962C8B-B14F-4D97-AF65-F5344CB8AC3E}">
-        <p14:creationId xmlns:p14="http://schemas.microsoft.com/office/powerpoint/2010/main" val="2981498626"/>
+        <p14:creationId xmlns:p14="http://schemas.microsoft.com/office/powerpoint/2010/main" val="1542340287"/>
       </p:ext>
     </p:extLst>
   </p:cSld>
@@ -755,7 +755,7 @@
           <p:cNvPr id="2" name="标题 1">
             <a:extLst>
               <a:ext uri="{FF2B5EF4-FFF2-40B4-BE49-F238E27FC236}">
-                <a16:creationId xmlns:a16="http://schemas.microsoft.com/office/drawing/2014/main" id="{DE32519B-BF83-61ED-F854-5F1F82550705}"/>
+                <a16:creationId xmlns:a16="http://schemas.microsoft.com/office/drawing/2014/main" id="{DA621D93-A10F-0E99-D560-2F94493E3FB7}"/>
               </a:ext>
             </a:extLst>
           </p:cNvPr>
@@ -783,7 +783,7 @@
           <p:cNvPr id="3" name="内容占位符 2">
             <a:extLst>
               <a:ext uri="{FF2B5EF4-FFF2-40B4-BE49-F238E27FC236}">
-                <a16:creationId xmlns:a16="http://schemas.microsoft.com/office/drawing/2014/main" id="{8156EECE-B808-516F-7108-FEFF3E40CE2B}"/>
+                <a16:creationId xmlns:a16="http://schemas.microsoft.com/office/drawing/2014/main" id="{3391C267-7125-3B38-0554-A9039B4AFA6D}"/>
               </a:ext>
             </a:extLst>
           </p:cNvPr>
@@ -840,7 +840,7 @@
           <p:cNvPr id="4" name="日期占位符 3">
             <a:extLst>
               <a:ext uri="{FF2B5EF4-FFF2-40B4-BE49-F238E27FC236}">
-                <a16:creationId xmlns:a16="http://schemas.microsoft.com/office/drawing/2014/main" id="{E43409E6-93EE-1532-057A-B5CFD22DE6DB}"/>
+                <a16:creationId xmlns:a16="http://schemas.microsoft.com/office/drawing/2014/main" id="{9C5393C7-0F8B-7873-C2C6-2C47FC0EDAEC}"/>
               </a:ext>
             </a:extLst>
           </p:cNvPr>
@@ -856,7 +856,7 @@
           <a:bodyPr/>
           <a:lstStyle/>
           <a:p>
-            <a:fld id="{EA730FA8-59E1-4827-8A53-76D69E104A9F}" type="datetimeFigureOut">
+            <a:fld id="{916D065F-0BE5-4038-B1DD-D296D4E41CC1}" type="datetimeFigureOut">
               <a:rPr lang="zh-CN" altLang="en-US" smtClean="0"/>
               <a:t>2024/3/10</a:t>
             </a:fld>
@@ -869,7 +869,7 @@
           <p:cNvPr id="5" name="页脚占位符 4">
             <a:extLst>
               <a:ext uri="{FF2B5EF4-FFF2-40B4-BE49-F238E27FC236}">
-                <a16:creationId xmlns:a16="http://schemas.microsoft.com/office/drawing/2014/main" id="{49ADCB91-A8DB-4BDC-755F-EDEB1982B57F}"/>
+                <a16:creationId xmlns:a16="http://schemas.microsoft.com/office/drawing/2014/main" id="{0E334BAE-E5C3-393C-2A23-839CA7E0E673}"/>
               </a:ext>
             </a:extLst>
           </p:cNvPr>
@@ -894,7 +894,7 @@
           <p:cNvPr id="6" name="灯片编号占位符 5">
             <a:extLst>
               <a:ext uri="{FF2B5EF4-FFF2-40B4-BE49-F238E27FC236}">
-                <a16:creationId xmlns:a16="http://schemas.microsoft.com/office/drawing/2014/main" id="{1A2B70EF-133D-3CCF-6F1C-D9AEC1338381}"/>
+                <a16:creationId xmlns:a16="http://schemas.microsoft.com/office/drawing/2014/main" id="{E2BA1F1A-B508-3053-32B6-AF05B639945F}"/>
               </a:ext>
             </a:extLst>
           </p:cNvPr>
@@ -910,7 +910,7 @@
           <a:bodyPr/>
           <a:lstStyle/>
           <a:p>
-            <a:fld id="{789E09A1-7257-4164-AFCE-BCE09FE9B256}" type="slidenum">
+            <a:fld id="{DEBCE386-224B-4637-80E6-B90F526D7AA5}" type="slidenum">
               <a:rPr lang="zh-CN" altLang="en-US" smtClean="0"/>
               <a:t>‹#›</a:t>
             </a:fld>
@@ -921,7 +921,7 @@
     </p:spTree>
     <p:extLst>
       <p:ext uri="{BB962C8B-B14F-4D97-AF65-F5344CB8AC3E}">
-        <p14:creationId xmlns:p14="http://schemas.microsoft.com/office/powerpoint/2010/main" val="978957795"/>
+        <p14:creationId xmlns:p14="http://schemas.microsoft.com/office/powerpoint/2010/main" val="3631731691"/>
       </p:ext>
     </p:extLst>
   </p:cSld>
@@ -953,7 +953,7 @@
           <p:cNvPr id="2" name="标题 1">
             <a:extLst>
               <a:ext uri="{FF2B5EF4-FFF2-40B4-BE49-F238E27FC236}">
-                <a16:creationId xmlns:a16="http://schemas.microsoft.com/office/drawing/2014/main" id="{C5B2BF41-8373-82C9-A7AF-3506ED9D9B9D}"/>
+                <a16:creationId xmlns:a16="http://schemas.microsoft.com/office/drawing/2014/main" id="{A04819D6-4D2A-0310-7466-A976D02EC5D4}"/>
               </a:ext>
             </a:extLst>
           </p:cNvPr>
@@ -990,7 +990,7 @@
           <p:cNvPr id="3" name="文本占位符 2">
             <a:extLst>
               <a:ext uri="{FF2B5EF4-FFF2-40B4-BE49-F238E27FC236}">
-                <a16:creationId xmlns:a16="http://schemas.microsoft.com/office/drawing/2014/main" id="{35D113FF-0DE0-794B-1389-E87E872757F9}"/>
+                <a16:creationId xmlns:a16="http://schemas.microsoft.com/office/drawing/2014/main" id="{CA0C6ADE-311E-EDD1-9096-230AC7519DB4}"/>
               </a:ext>
             </a:extLst>
           </p:cNvPr>
@@ -1115,7 +1115,7 @@
           <p:cNvPr id="4" name="日期占位符 3">
             <a:extLst>
               <a:ext uri="{FF2B5EF4-FFF2-40B4-BE49-F238E27FC236}">
-                <a16:creationId xmlns:a16="http://schemas.microsoft.com/office/drawing/2014/main" id="{F1DD355A-4937-520F-EA23-D61C430C8EFE}"/>
+                <a16:creationId xmlns:a16="http://schemas.microsoft.com/office/drawing/2014/main" id="{AEF8030E-6CA4-F813-B2D4-F62404079093}"/>
               </a:ext>
             </a:extLst>
           </p:cNvPr>
@@ -1131,7 +1131,7 @@
           <a:bodyPr/>
           <a:lstStyle/>
           <a:p>
-            <a:fld id="{EA730FA8-59E1-4827-8A53-76D69E104A9F}" type="datetimeFigureOut">
+            <a:fld id="{916D065F-0BE5-4038-B1DD-D296D4E41CC1}" type="datetimeFigureOut">
               <a:rPr lang="zh-CN" altLang="en-US" smtClean="0"/>
               <a:t>2024/3/10</a:t>
             </a:fld>
@@ -1144,7 +1144,7 @@
           <p:cNvPr id="5" name="页脚占位符 4">
             <a:extLst>
               <a:ext uri="{FF2B5EF4-FFF2-40B4-BE49-F238E27FC236}">
-                <a16:creationId xmlns:a16="http://schemas.microsoft.com/office/drawing/2014/main" id="{1FEC859B-8A4F-C644-5974-3BFD7669E9EB}"/>
+                <a16:creationId xmlns:a16="http://schemas.microsoft.com/office/drawing/2014/main" id="{83A8D3A8-3B84-309C-BF2E-530A819C73DF}"/>
               </a:ext>
             </a:extLst>
           </p:cNvPr>
@@ -1169,7 +1169,7 @@
           <p:cNvPr id="6" name="灯片编号占位符 5">
             <a:extLst>
               <a:ext uri="{FF2B5EF4-FFF2-40B4-BE49-F238E27FC236}">
-                <a16:creationId xmlns:a16="http://schemas.microsoft.com/office/drawing/2014/main" id="{598ACF8F-F68B-1BC7-ED10-263908FD7E68}"/>
+                <a16:creationId xmlns:a16="http://schemas.microsoft.com/office/drawing/2014/main" id="{925093B8-2054-2C74-C3C7-BD8DD0132E43}"/>
               </a:ext>
             </a:extLst>
           </p:cNvPr>
@@ -1185,7 +1185,7 @@
           <a:bodyPr/>
           <a:lstStyle/>
           <a:p>
-            <a:fld id="{789E09A1-7257-4164-AFCE-BCE09FE9B256}" type="slidenum">
+            <a:fld id="{DEBCE386-224B-4637-80E6-B90F526D7AA5}" type="slidenum">
               <a:rPr lang="zh-CN" altLang="en-US" smtClean="0"/>
               <a:t>‹#›</a:t>
             </a:fld>
@@ -1196,7 +1196,7 @@
     </p:spTree>
     <p:extLst>
       <p:ext uri="{BB962C8B-B14F-4D97-AF65-F5344CB8AC3E}">
-        <p14:creationId xmlns:p14="http://schemas.microsoft.com/office/powerpoint/2010/main" val="980421808"/>
+        <p14:creationId xmlns:p14="http://schemas.microsoft.com/office/powerpoint/2010/main" val="2344839965"/>
       </p:ext>
     </p:extLst>
   </p:cSld>
@@ -1228,7 +1228,7 @@
           <p:cNvPr id="2" name="标题 1">
             <a:extLst>
               <a:ext uri="{FF2B5EF4-FFF2-40B4-BE49-F238E27FC236}">
-                <a16:creationId xmlns:a16="http://schemas.microsoft.com/office/drawing/2014/main" id="{A172FC03-55B3-69BF-A98C-D696DDE3B739}"/>
+                <a16:creationId xmlns:a16="http://schemas.microsoft.com/office/drawing/2014/main" id="{F0643A9B-748B-6044-2A24-BF9650A2BBB1}"/>
               </a:ext>
             </a:extLst>
           </p:cNvPr>
@@ -1256,7 +1256,7 @@
           <p:cNvPr id="3" name="内容占位符 2">
             <a:extLst>
               <a:ext uri="{FF2B5EF4-FFF2-40B4-BE49-F238E27FC236}">
-                <a16:creationId xmlns:a16="http://schemas.microsoft.com/office/drawing/2014/main" id="{9323EEAA-B63A-34E3-22AA-22D897A70B42}"/>
+                <a16:creationId xmlns:a16="http://schemas.microsoft.com/office/drawing/2014/main" id="{9CD0881B-C04F-653D-73F8-67DFBA84A731}"/>
               </a:ext>
             </a:extLst>
           </p:cNvPr>
@@ -1318,7 +1318,7 @@
           <p:cNvPr id="4" name="内容占位符 3">
             <a:extLst>
               <a:ext uri="{FF2B5EF4-FFF2-40B4-BE49-F238E27FC236}">
-                <a16:creationId xmlns:a16="http://schemas.microsoft.com/office/drawing/2014/main" id="{2B1EB0AE-E5AC-52C9-829D-D587B1AD3E3C}"/>
+                <a16:creationId xmlns:a16="http://schemas.microsoft.com/office/drawing/2014/main" id="{2E9D41CD-0A5B-5873-A165-7996BE31576F}"/>
               </a:ext>
             </a:extLst>
           </p:cNvPr>
@@ -1380,7 +1380,7 @@
           <p:cNvPr id="5" name="日期占位符 4">
             <a:extLst>
               <a:ext uri="{FF2B5EF4-FFF2-40B4-BE49-F238E27FC236}">
-                <a16:creationId xmlns:a16="http://schemas.microsoft.com/office/drawing/2014/main" id="{642EB3FB-091E-E095-6414-7F48C5C73ABA}"/>
+                <a16:creationId xmlns:a16="http://schemas.microsoft.com/office/drawing/2014/main" id="{542F5012-378C-7BC8-DA87-6A8ACAF1B711}"/>
               </a:ext>
             </a:extLst>
           </p:cNvPr>
@@ -1396,7 +1396,7 @@
           <a:bodyPr/>
           <a:lstStyle/>
           <a:p>
-            <a:fld id="{EA730FA8-59E1-4827-8A53-76D69E104A9F}" type="datetimeFigureOut">
+            <a:fld id="{916D065F-0BE5-4038-B1DD-D296D4E41CC1}" type="datetimeFigureOut">
               <a:rPr lang="zh-CN" altLang="en-US" smtClean="0"/>
               <a:t>2024/3/10</a:t>
             </a:fld>
@@ -1409,7 +1409,7 @@
           <p:cNvPr id="6" name="页脚占位符 5">
             <a:extLst>
               <a:ext uri="{FF2B5EF4-FFF2-40B4-BE49-F238E27FC236}">
-                <a16:creationId xmlns:a16="http://schemas.microsoft.com/office/drawing/2014/main" id="{249D832C-7C45-0350-0D77-6B875D58FE5B}"/>
+                <a16:creationId xmlns:a16="http://schemas.microsoft.com/office/drawing/2014/main" id="{AC36B274-A609-1F31-4CD1-000B87556E8D}"/>
               </a:ext>
             </a:extLst>
           </p:cNvPr>
@@ -1434,7 +1434,7 @@
           <p:cNvPr id="7" name="灯片编号占位符 6">
             <a:extLst>
               <a:ext uri="{FF2B5EF4-FFF2-40B4-BE49-F238E27FC236}">
-                <a16:creationId xmlns:a16="http://schemas.microsoft.com/office/drawing/2014/main" id="{7131A724-EE73-EB9D-0D88-8CA18883D595}"/>
+                <a16:creationId xmlns:a16="http://schemas.microsoft.com/office/drawing/2014/main" id="{22A62150-3D02-9050-2E0F-51A006772DDB}"/>
               </a:ext>
             </a:extLst>
           </p:cNvPr>
@@ -1450,7 +1450,7 @@
           <a:bodyPr/>
           <a:lstStyle/>
           <a:p>
-            <a:fld id="{789E09A1-7257-4164-AFCE-BCE09FE9B256}" type="slidenum">
+            <a:fld id="{DEBCE386-224B-4637-80E6-B90F526D7AA5}" type="slidenum">
               <a:rPr lang="zh-CN" altLang="en-US" smtClean="0"/>
               <a:t>‹#›</a:t>
             </a:fld>
@@ -1461,7 +1461,7 @@
     </p:spTree>
     <p:extLst>
       <p:ext uri="{BB962C8B-B14F-4D97-AF65-F5344CB8AC3E}">
-        <p14:creationId xmlns:p14="http://schemas.microsoft.com/office/powerpoint/2010/main" val="1519106074"/>
+        <p14:creationId xmlns:p14="http://schemas.microsoft.com/office/powerpoint/2010/main" val="3045465794"/>
       </p:ext>
     </p:extLst>
   </p:cSld>
@@ -1493,7 +1493,7 @@
           <p:cNvPr id="2" name="标题 1">
             <a:extLst>
               <a:ext uri="{FF2B5EF4-FFF2-40B4-BE49-F238E27FC236}">
-                <a16:creationId xmlns:a16="http://schemas.microsoft.com/office/drawing/2014/main" id="{EBB7A1D3-7BC2-BAAF-3B7A-0821DC1366E6}"/>
+                <a16:creationId xmlns:a16="http://schemas.microsoft.com/office/drawing/2014/main" id="{207EB284-B3B8-0DB1-8EE6-C2BF5AB576D1}"/>
               </a:ext>
             </a:extLst>
           </p:cNvPr>
@@ -1526,7 +1526,7 @@
           <p:cNvPr id="3" name="文本占位符 2">
             <a:extLst>
               <a:ext uri="{FF2B5EF4-FFF2-40B4-BE49-F238E27FC236}">
-                <a16:creationId xmlns:a16="http://schemas.microsoft.com/office/drawing/2014/main" id="{1340CA1C-5FD0-CCE3-EEB0-78F4B371B791}"/>
+                <a16:creationId xmlns:a16="http://schemas.microsoft.com/office/drawing/2014/main" id="{D1FD11C7-953B-EFE5-BE3E-A9C374410C95}"/>
               </a:ext>
             </a:extLst>
           </p:cNvPr>
@@ -1597,7 +1597,7 @@
           <p:cNvPr id="4" name="内容占位符 3">
             <a:extLst>
               <a:ext uri="{FF2B5EF4-FFF2-40B4-BE49-F238E27FC236}">
-                <a16:creationId xmlns:a16="http://schemas.microsoft.com/office/drawing/2014/main" id="{AA8C816C-6594-F757-67EF-237CDF86EBFC}"/>
+                <a16:creationId xmlns:a16="http://schemas.microsoft.com/office/drawing/2014/main" id="{3BA89F32-DD3C-47F9-5ED6-12A4A1E5EF6A}"/>
               </a:ext>
             </a:extLst>
           </p:cNvPr>
@@ -1659,7 +1659,7 @@
           <p:cNvPr id="5" name="文本占位符 4">
             <a:extLst>
               <a:ext uri="{FF2B5EF4-FFF2-40B4-BE49-F238E27FC236}">
-                <a16:creationId xmlns:a16="http://schemas.microsoft.com/office/drawing/2014/main" id="{4A299BB0-FA0A-BB0E-2F28-EDAD3CB814A0}"/>
+                <a16:creationId xmlns:a16="http://schemas.microsoft.com/office/drawing/2014/main" id="{A982B4FA-AA75-6080-BAD7-F7C06770B5D4}"/>
               </a:ext>
             </a:extLst>
           </p:cNvPr>
@@ -1730,7 +1730,7 @@
           <p:cNvPr id="6" name="内容占位符 5">
             <a:extLst>
               <a:ext uri="{FF2B5EF4-FFF2-40B4-BE49-F238E27FC236}">
-                <a16:creationId xmlns:a16="http://schemas.microsoft.com/office/drawing/2014/main" id="{CC264F02-D65B-D9FC-CD51-DAE9E0DAFA95}"/>
+                <a16:creationId xmlns:a16="http://schemas.microsoft.com/office/drawing/2014/main" id="{DCD996BF-B3A7-70FA-1077-1FDCEF851BAB}"/>
               </a:ext>
             </a:extLst>
           </p:cNvPr>
@@ -1792,7 +1792,7 @@
           <p:cNvPr id="7" name="日期占位符 6">
             <a:extLst>
               <a:ext uri="{FF2B5EF4-FFF2-40B4-BE49-F238E27FC236}">
-                <a16:creationId xmlns:a16="http://schemas.microsoft.com/office/drawing/2014/main" id="{6F1BE095-8C5E-3873-4A88-0ED82217CD27}"/>
+                <a16:creationId xmlns:a16="http://schemas.microsoft.com/office/drawing/2014/main" id="{190B0748-633F-2FC6-F714-3CBF982BBABA}"/>
               </a:ext>
             </a:extLst>
           </p:cNvPr>
@@ -1808,7 +1808,7 @@
           <a:bodyPr/>
           <a:lstStyle/>
           <a:p>
-            <a:fld id="{EA730FA8-59E1-4827-8A53-76D69E104A9F}" type="datetimeFigureOut">
+            <a:fld id="{916D065F-0BE5-4038-B1DD-D296D4E41CC1}" type="datetimeFigureOut">
               <a:rPr lang="zh-CN" altLang="en-US" smtClean="0"/>
               <a:t>2024/3/10</a:t>
             </a:fld>
@@ -1821,7 +1821,7 @@
           <p:cNvPr id="8" name="页脚占位符 7">
             <a:extLst>
               <a:ext uri="{FF2B5EF4-FFF2-40B4-BE49-F238E27FC236}">
-                <a16:creationId xmlns:a16="http://schemas.microsoft.com/office/drawing/2014/main" id="{000940A8-7C26-D001-E218-DB9434BA6310}"/>
+                <a16:creationId xmlns:a16="http://schemas.microsoft.com/office/drawing/2014/main" id="{78ABEADF-CAD9-B0A0-EC21-4A3C97784279}"/>
               </a:ext>
             </a:extLst>
           </p:cNvPr>
@@ -1846,7 +1846,7 @@
           <p:cNvPr id="9" name="灯片编号占位符 8">
             <a:extLst>
               <a:ext uri="{FF2B5EF4-FFF2-40B4-BE49-F238E27FC236}">
-                <a16:creationId xmlns:a16="http://schemas.microsoft.com/office/drawing/2014/main" id="{A7771418-29CB-E469-ADB3-24050FDED271}"/>
+                <a16:creationId xmlns:a16="http://schemas.microsoft.com/office/drawing/2014/main" id="{B926694A-DCDF-362E-539C-935BE6B9DD6C}"/>
               </a:ext>
             </a:extLst>
           </p:cNvPr>
@@ -1862,7 +1862,7 @@
           <a:bodyPr/>
           <a:lstStyle/>
           <a:p>
-            <a:fld id="{789E09A1-7257-4164-AFCE-BCE09FE9B256}" type="slidenum">
+            <a:fld id="{DEBCE386-224B-4637-80E6-B90F526D7AA5}" type="slidenum">
               <a:rPr lang="zh-CN" altLang="en-US" smtClean="0"/>
               <a:t>‹#›</a:t>
             </a:fld>
@@ -1873,7 +1873,7 @@
     </p:spTree>
     <p:extLst>
       <p:ext uri="{BB962C8B-B14F-4D97-AF65-F5344CB8AC3E}">
-        <p14:creationId xmlns:p14="http://schemas.microsoft.com/office/powerpoint/2010/main" val="3100540315"/>
+        <p14:creationId xmlns:p14="http://schemas.microsoft.com/office/powerpoint/2010/main" val="3641332217"/>
       </p:ext>
     </p:extLst>
   </p:cSld>
@@ -1905,7 +1905,7 @@
           <p:cNvPr id="2" name="标题 1">
             <a:extLst>
               <a:ext uri="{FF2B5EF4-FFF2-40B4-BE49-F238E27FC236}">
-                <a16:creationId xmlns:a16="http://schemas.microsoft.com/office/drawing/2014/main" id="{053144BE-79B4-A2FD-727C-ACCCE021FC1D}"/>
+                <a16:creationId xmlns:a16="http://schemas.microsoft.com/office/drawing/2014/main" id="{3465E71A-DBF7-96C7-A5EE-D684424294CB}"/>
               </a:ext>
             </a:extLst>
           </p:cNvPr>
@@ -1933,7 +1933,7 @@
           <p:cNvPr id="3" name="日期占位符 2">
             <a:extLst>
               <a:ext uri="{FF2B5EF4-FFF2-40B4-BE49-F238E27FC236}">
-                <a16:creationId xmlns:a16="http://schemas.microsoft.com/office/drawing/2014/main" id="{CB8BCAFC-A354-B5B2-EF66-F94BACF3378A}"/>
+                <a16:creationId xmlns:a16="http://schemas.microsoft.com/office/drawing/2014/main" id="{A26D3D92-0517-BF22-B7E3-617674CD30CF}"/>
               </a:ext>
             </a:extLst>
           </p:cNvPr>
@@ -1949,7 +1949,7 @@
           <a:bodyPr/>
           <a:lstStyle/>
           <a:p>
-            <a:fld id="{EA730FA8-59E1-4827-8A53-76D69E104A9F}" type="datetimeFigureOut">
+            <a:fld id="{916D065F-0BE5-4038-B1DD-D296D4E41CC1}" type="datetimeFigureOut">
               <a:rPr lang="zh-CN" altLang="en-US" smtClean="0"/>
               <a:t>2024/3/10</a:t>
             </a:fld>
@@ -1962,7 +1962,7 @@
           <p:cNvPr id="4" name="页脚占位符 3">
             <a:extLst>
               <a:ext uri="{FF2B5EF4-FFF2-40B4-BE49-F238E27FC236}">
-                <a16:creationId xmlns:a16="http://schemas.microsoft.com/office/drawing/2014/main" id="{123165F7-1826-B455-A0CE-B051ABF28CB3}"/>
+                <a16:creationId xmlns:a16="http://schemas.microsoft.com/office/drawing/2014/main" id="{ED7C8B3E-C3C5-A95D-C95D-EF409D1B012C}"/>
               </a:ext>
             </a:extLst>
           </p:cNvPr>
@@ -1987,7 +1987,7 @@
           <p:cNvPr id="5" name="灯片编号占位符 4">
             <a:extLst>
               <a:ext uri="{FF2B5EF4-FFF2-40B4-BE49-F238E27FC236}">
-                <a16:creationId xmlns:a16="http://schemas.microsoft.com/office/drawing/2014/main" id="{B69BB3E9-2A7A-4D4A-9123-D93D08D8E152}"/>
+                <a16:creationId xmlns:a16="http://schemas.microsoft.com/office/drawing/2014/main" id="{85057A48-0D1C-9B0D-A2F6-B22FE01989C6}"/>
               </a:ext>
             </a:extLst>
           </p:cNvPr>
@@ -2003,7 +2003,7 @@
           <a:bodyPr/>
           <a:lstStyle/>
           <a:p>
-            <a:fld id="{789E09A1-7257-4164-AFCE-BCE09FE9B256}" type="slidenum">
+            <a:fld id="{DEBCE386-224B-4637-80E6-B90F526D7AA5}" type="slidenum">
               <a:rPr lang="zh-CN" altLang="en-US" smtClean="0"/>
               <a:t>‹#›</a:t>
             </a:fld>
@@ -2014,7 +2014,7 @@
     </p:spTree>
     <p:extLst>
       <p:ext uri="{BB962C8B-B14F-4D97-AF65-F5344CB8AC3E}">
-        <p14:creationId xmlns:p14="http://schemas.microsoft.com/office/powerpoint/2010/main" val="699190175"/>
+        <p14:creationId xmlns:p14="http://schemas.microsoft.com/office/powerpoint/2010/main" val="230950800"/>
       </p:ext>
     </p:extLst>
   </p:cSld>
@@ -2046,7 +2046,7 @@
           <p:cNvPr id="2" name="日期占位符 1">
             <a:extLst>
               <a:ext uri="{FF2B5EF4-FFF2-40B4-BE49-F238E27FC236}">
-                <a16:creationId xmlns:a16="http://schemas.microsoft.com/office/drawing/2014/main" id="{D3FFB7B9-C5B9-399E-87E7-372C36FE8F92}"/>
+                <a16:creationId xmlns:a16="http://schemas.microsoft.com/office/drawing/2014/main" id="{F35C60DD-019B-D8F5-3D9B-A42FCEBB09EC}"/>
               </a:ext>
             </a:extLst>
           </p:cNvPr>
@@ -2062,7 +2062,7 @@
           <a:bodyPr/>
           <a:lstStyle/>
           <a:p>
-            <a:fld id="{EA730FA8-59E1-4827-8A53-76D69E104A9F}" type="datetimeFigureOut">
+            <a:fld id="{916D065F-0BE5-4038-B1DD-D296D4E41CC1}" type="datetimeFigureOut">
               <a:rPr lang="zh-CN" altLang="en-US" smtClean="0"/>
               <a:t>2024/3/10</a:t>
             </a:fld>
@@ -2075,7 +2075,7 @@
           <p:cNvPr id="3" name="页脚占位符 2">
             <a:extLst>
               <a:ext uri="{FF2B5EF4-FFF2-40B4-BE49-F238E27FC236}">
-                <a16:creationId xmlns:a16="http://schemas.microsoft.com/office/drawing/2014/main" id="{32BDE999-AE65-DC54-30D9-747AC2D9907E}"/>
+                <a16:creationId xmlns:a16="http://schemas.microsoft.com/office/drawing/2014/main" id="{0294F4CA-A3E4-FF8D-7796-CDBB5857A406}"/>
               </a:ext>
             </a:extLst>
           </p:cNvPr>
@@ -2100,7 +2100,7 @@
           <p:cNvPr id="4" name="灯片编号占位符 3">
             <a:extLst>
               <a:ext uri="{FF2B5EF4-FFF2-40B4-BE49-F238E27FC236}">
-                <a16:creationId xmlns:a16="http://schemas.microsoft.com/office/drawing/2014/main" id="{C24D398A-AED3-4CC6-7D31-1B5DCC425CD0}"/>
+                <a16:creationId xmlns:a16="http://schemas.microsoft.com/office/drawing/2014/main" id="{2E7E2DDF-8405-3FE0-33A3-CC4FCFC49319}"/>
               </a:ext>
             </a:extLst>
           </p:cNvPr>
@@ -2116,7 +2116,7 @@
           <a:bodyPr/>
           <a:lstStyle/>
           <a:p>
-            <a:fld id="{789E09A1-7257-4164-AFCE-BCE09FE9B256}" type="slidenum">
+            <a:fld id="{DEBCE386-224B-4637-80E6-B90F526D7AA5}" type="slidenum">
               <a:rPr lang="zh-CN" altLang="en-US" smtClean="0"/>
               <a:t>‹#›</a:t>
             </a:fld>
@@ -2127,7 +2127,7 @@
     </p:spTree>
     <p:extLst>
       <p:ext uri="{BB962C8B-B14F-4D97-AF65-F5344CB8AC3E}">
-        <p14:creationId xmlns:p14="http://schemas.microsoft.com/office/powerpoint/2010/main" val="2337744132"/>
+        <p14:creationId xmlns:p14="http://schemas.microsoft.com/office/powerpoint/2010/main" val="1311302663"/>
       </p:ext>
     </p:extLst>
   </p:cSld>
@@ -2159,7 +2159,7 @@
           <p:cNvPr id="2" name="标题 1">
             <a:extLst>
               <a:ext uri="{FF2B5EF4-FFF2-40B4-BE49-F238E27FC236}">
-                <a16:creationId xmlns:a16="http://schemas.microsoft.com/office/drawing/2014/main" id="{92A52083-E34B-05DE-EF71-2B0BDBCEE982}"/>
+                <a16:creationId xmlns:a16="http://schemas.microsoft.com/office/drawing/2014/main" id="{FCC337F8-904F-C849-918E-644E069273F0}"/>
               </a:ext>
             </a:extLst>
           </p:cNvPr>
@@ -2196,7 +2196,7 @@
           <p:cNvPr id="3" name="内容占位符 2">
             <a:extLst>
               <a:ext uri="{FF2B5EF4-FFF2-40B4-BE49-F238E27FC236}">
-                <a16:creationId xmlns:a16="http://schemas.microsoft.com/office/drawing/2014/main" id="{FE184F93-942A-FFCA-8E11-B93D699A5A6B}"/>
+                <a16:creationId xmlns:a16="http://schemas.microsoft.com/office/drawing/2014/main" id="{48F74CA9-EDCB-7994-D86F-E5AC3988E72D}"/>
               </a:ext>
             </a:extLst>
           </p:cNvPr>
@@ -2286,7 +2286,7 @@
           <p:cNvPr id="4" name="文本占位符 3">
             <a:extLst>
               <a:ext uri="{FF2B5EF4-FFF2-40B4-BE49-F238E27FC236}">
-                <a16:creationId xmlns:a16="http://schemas.microsoft.com/office/drawing/2014/main" id="{CF4D4DD7-1EE6-70FE-7893-B224EF83006B}"/>
+                <a16:creationId xmlns:a16="http://schemas.microsoft.com/office/drawing/2014/main" id="{5817B823-031D-60EC-80CD-DB4E123BE524}"/>
               </a:ext>
             </a:extLst>
           </p:cNvPr>
@@ -2357,7 +2357,7 @@
           <p:cNvPr id="5" name="日期占位符 4">
             <a:extLst>
               <a:ext uri="{FF2B5EF4-FFF2-40B4-BE49-F238E27FC236}">
-                <a16:creationId xmlns:a16="http://schemas.microsoft.com/office/drawing/2014/main" id="{8A78925E-69BE-FEE8-8F28-84ED0616909F}"/>
+                <a16:creationId xmlns:a16="http://schemas.microsoft.com/office/drawing/2014/main" id="{C774B166-986D-35BF-23FD-EE5B64DFEC86}"/>
               </a:ext>
             </a:extLst>
           </p:cNvPr>
@@ -2373,7 +2373,7 @@
           <a:bodyPr/>
           <a:lstStyle/>
           <a:p>
-            <a:fld id="{EA730FA8-59E1-4827-8A53-76D69E104A9F}" type="datetimeFigureOut">
+            <a:fld id="{916D065F-0BE5-4038-B1DD-D296D4E41CC1}" type="datetimeFigureOut">
               <a:rPr lang="zh-CN" altLang="en-US" smtClean="0"/>
               <a:t>2024/3/10</a:t>
             </a:fld>
@@ -2386,7 +2386,7 @@
           <p:cNvPr id="6" name="页脚占位符 5">
             <a:extLst>
               <a:ext uri="{FF2B5EF4-FFF2-40B4-BE49-F238E27FC236}">
-                <a16:creationId xmlns:a16="http://schemas.microsoft.com/office/drawing/2014/main" id="{690FD02C-CD57-A56E-7DC7-C696DA3F1D8B}"/>
+                <a16:creationId xmlns:a16="http://schemas.microsoft.com/office/drawing/2014/main" id="{FFE0909F-0DE0-E7E8-36AB-EDD5E22CE8C7}"/>
               </a:ext>
             </a:extLst>
           </p:cNvPr>
@@ -2411,7 +2411,7 @@
           <p:cNvPr id="7" name="灯片编号占位符 6">
             <a:extLst>
               <a:ext uri="{FF2B5EF4-FFF2-40B4-BE49-F238E27FC236}">
-                <a16:creationId xmlns:a16="http://schemas.microsoft.com/office/drawing/2014/main" id="{C8B13202-02D6-7685-82F3-B6EBD4C6707E}"/>
+                <a16:creationId xmlns:a16="http://schemas.microsoft.com/office/drawing/2014/main" id="{31AF487D-AF82-33F9-6013-DD123FC5D7DF}"/>
               </a:ext>
             </a:extLst>
           </p:cNvPr>
@@ -2427,7 +2427,7 @@
           <a:bodyPr/>
           <a:lstStyle/>
           <a:p>
-            <a:fld id="{789E09A1-7257-4164-AFCE-BCE09FE9B256}" type="slidenum">
+            <a:fld id="{DEBCE386-224B-4637-80E6-B90F526D7AA5}" type="slidenum">
               <a:rPr lang="zh-CN" altLang="en-US" smtClean="0"/>
               <a:t>‹#›</a:t>
             </a:fld>
@@ -2438,7 +2438,7 @@
     </p:spTree>
     <p:extLst>
       <p:ext uri="{BB962C8B-B14F-4D97-AF65-F5344CB8AC3E}">
-        <p14:creationId xmlns:p14="http://schemas.microsoft.com/office/powerpoint/2010/main" val="2528466742"/>
+        <p14:creationId xmlns:p14="http://schemas.microsoft.com/office/powerpoint/2010/main" val="1586861450"/>
       </p:ext>
     </p:extLst>
   </p:cSld>
@@ -2470,7 +2470,7 @@
           <p:cNvPr id="2" name="标题 1">
             <a:extLst>
               <a:ext uri="{FF2B5EF4-FFF2-40B4-BE49-F238E27FC236}">
-                <a16:creationId xmlns:a16="http://schemas.microsoft.com/office/drawing/2014/main" id="{E7E43CC9-3A32-6A2B-CB55-A03302857F7B}"/>
+                <a16:creationId xmlns:a16="http://schemas.microsoft.com/office/drawing/2014/main" id="{6D9E1329-6E14-87BC-43E9-3F05AC567C04}"/>
               </a:ext>
             </a:extLst>
           </p:cNvPr>
@@ -2507,7 +2507,7 @@
           <p:cNvPr id="3" name="图片占位符 2">
             <a:extLst>
               <a:ext uri="{FF2B5EF4-FFF2-40B4-BE49-F238E27FC236}">
-                <a16:creationId xmlns:a16="http://schemas.microsoft.com/office/drawing/2014/main" id="{EEFCCAC3-D44F-CAC4-3409-AFD59402DD48}"/>
+                <a16:creationId xmlns:a16="http://schemas.microsoft.com/office/drawing/2014/main" id="{2D2EE469-97B8-4002-CAD0-89F7FD9C13A0}"/>
               </a:ext>
             </a:extLst>
           </p:cNvPr>
@@ -2574,7 +2574,7 @@
           <p:cNvPr id="4" name="文本占位符 3">
             <a:extLst>
               <a:ext uri="{FF2B5EF4-FFF2-40B4-BE49-F238E27FC236}">
-                <a16:creationId xmlns:a16="http://schemas.microsoft.com/office/drawing/2014/main" id="{BA50D72A-E622-0B75-D9AD-8DB8C4F13282}"/>
+                <a16:creationId xmlns:a16="http://schemas.microsoft.com/office/drawing/2014/main" id="{411F178F-40E6-16A7-4374-9779729B06F2}"/>
               </a:ext>
             </a:extLst>
           </p:cNvPr>
@@ -2645,7 +2645,7 @@
           <p:cNvPr id="5" name="日期占位符 4">
             <a:extLst>
               <a:ext uri="{FF2B5EF4-FFF2-40B4-BE49-F238E27FC236}">
-                <a16:creationId xmlns:a16="http://schemas.microsoft.com/office/drawing/2014/main" id="{A96A711E-3CAF-A5CE-3BD4-DF71AA9C3EF8}"/>
+                <a16:creationId xmlns:a16="http://schemas.microsoft.com/office/drawing/2014/main" id="{F117C027-603F-19F5-7C00-37ED7E3F85C0}"/>
               </a:ext>
             </a:extLst>
           </p:cNvPr>
@@ -2661,7 +2661,7 @@
           <a:bodyPr/>
           <a:lstStyle/>
           <a:p>
-            <a:fld id="{EA730FA8-59E1-4827-8A53-76D69E104A9F}" type="datetimeFigureOut">
+            <a:fld id="{916D065F-0BE5-4038-B1DD-D296D4E41CC1}" type="datetimeFigureOut">
               <a:rPr lang="zh-CN" altLang="en-US" smtClean="0"/>
               <a:t>2024/3/10</a:t>
             </a:fld>
@@ -2674,7 +2674,7 @@
           <p:cNvPr id="6" name="页脚占位符 5">
             <a:extLst>
               <a:ext uri="{FF2B5EF4-FFF2-40B4-BE49-F238E27FC236}">
-                <a16:creationId xmlns:a16="http://schemas.microsoft.com/office/drawing/2014/main" id="{18D6CCE1-8A6F-5F3A-0986-AB5A37273DC3}"/>
+                <a16:creationId xmlns:a16="http://schemas.microsoft.com/office/drawing/2014/main" id="{9521F411-901C-B3DA-FA67-4C6FB21A2CF2}"/>
               </a:ext>
             </a:extLst>
           </p:cNvPr>
@@ -2699,7 +2699,7 @@
           <p:cNvPr id="7" name="灯片编号占位符 6">
             <a:extLst>
               <a:ext uri="{FF2B5EF4-FFF2-40B4-BE49-F238E27FC236}">
-                <a16:creationId xmlns:a16="http://schemas.microsoft.com/office/drawing/2014/main" id="{601EBE82-8D55-CD1F-5D95-667A8075EEEE}"/>
+                <a16:creationId xmlns:a16="http://schemas.microsoft.com/office/drawing/2014/main" id="{4CA1A776-D54C-F298-E55D-96ECC672CFE6}"/>
               </a:ext>
             </a:extLst>
           </p:cNvPr>
@@ -2715,7 +2715,7 @@
           <a:bodyPr/>
           <a:lstStyle/>
           <a:p>
-            <a:fld id="{789E09A1-7257-4164-AFCE-BCE09FE9B256}" type="slidenum">
+            <a:fld id="{DEBCE386-224B-4637-80E6-B90F526D7AA5}" type="slidenum">
               <a:rPr lang="zh-CN" altLang="en-US" smtClean="0"/>
               <a:t>‹#›</a:t>
             </a:fld>
@@ -2726,7 +2726,7 @@
     </p:spTree>
     <p:extLst>
       <p:ext uri="{BB962C8B-B14F-4D97-AF65-F5344CB8AC3E}">
-        <p14:creationId xmlns:p14="http://schemas.microsoft.com/office/powerpoint/2010/main" val="2276107415"/>
+        <p14:creationId xmlns:p14="http://schemas.microsoft.com/office/powerpoint/2010/main" val="1896690818"/>
       </p:ext>
     </p:extLst>
   </p:cSld>
@@ -2763,7 +2763,7 @@
           <p:cNvPr id="2" name="标题占位符 1">
             <a:extLst>
               <a:ext uri="{FF2B5EF4-FFF2-40B4-BE49-F238E27FC236}">
-                <a16:creationId xmlns:a16="http://schemas.microsoft.com/office/drawing/2014/main" id="{F4F3EDE4-5832-DC23-21EC-071E09E124FD}"/>
+                <a16:creationId xmlns:a16="http://schemas.microsoft.com/office/drawing/2014/main" id="{B54D1E2D-AD1B-B264-B778-5CE3500F085A}"/>
               </a:ext>
             </a:extLst>
           </p:cNvPr>
@@ -2801,7 +2801,7 @@
           <p:cNvPr id="3" name="文本占位符 2">
             <a:extLst>
               <a:ext uri="{FF2B5EF4-FFF2-40B4-BE49-F238E27FC236}">
-                <a16:creationId xmlns:a16="http://schemas.microsoft.com/office/drawing/2014/main" id="{AFBBD230-CF8A-4F25-7957-98E0A9BE1635}"/>
+                <a16:creationId xmlns:a16="http://schemas.microsoft.com/office/drawing/2014/main" id="{74FB48C7-ECB9-3142-9B7A-28E3D2B82090}"/>
               </a:ext>
             </a:extLst>
           </p:cNvPr>
@@ -2868,7 +2868,7 @@
           <p:cNvPr id="4" name="日期占位符 3">
             <a:extLst>
               <a:ext uri="{FF2B5EF4-FFF2-40B4-BE49-F238E27FC236}">
-                <a16:creationId xmlns:a16="http://schemas.microsoft.com/office/drawing/2014/main" id="{9A824368-25BA-AEC7-8BCD-CE02DCB493E4}"/>
+                <a16:creationId xmlns:a16="http://schemas.microsoft.com/office/drawing/2014/main" id="{A99FC9A7-746E-EFDD-71C5-4C1740776CA8}"/>
               </a:ext>
             </a:extLst>
           </p:cNvPr>
@@ -2902,7 +2902,7 @@
             </a:lvl1pPr>
           </a:lstStyle>
           <a:p>
-            <a:fld id="{EA730FA8-59E1-4827-8A53-76D69E104A9F}" type="datetimeFigureOut">
+            <a:fld id="{916D065F-0BE5-4038-B1DD-D296D4E41CC1}" type="datetimeFigureOut">
               <a:rPr lang="zh-CN" altLang="en-US" smtClean="0"/>
               <a:t>2024/3/10</a:t>
             </a:fld>
@@ -2915,7 +2915,7 @@
           <p:cNvPr id="5" name="页脚占位符 4">
             <a:extLst>
               <a:ext uri="{FF2B5EF4-FFF2-40B4-BE49-F238E27FC236}">
-                <a16:creationId xmlns:a16="http://schemas.microsoft.com/office/drawing/2014/main" id="{466B903D-C172-1FEC-2404-00DF3FD32793}"/>
+                <a16:creationId xmlns:a16="http://schemas.microsoft.com/office/drawing/2014/main" id="{BAFC5ECC-A3C6-46C4-790B-0516B42E1954}"/>
               </a:ext>
             </a:extLst>
           </p:cNvPr>
@@ -2958,7 +2958,7 @@
           <p:cNvPr id="6" name="灯片编号占位符 5">
             <a:extLst>
               <a:ext uri="{FF2B5EF4-FFF2-40B4-BE49-F238E27FC236}">
-                <a16:creationId xmlns:a16="http://schemas.microsoft.com/office/drawing/2014/main" id="{CA6021E6-E79B-AE9F-76EF-1B588EED27AF}"/>
+                <a16:creationId xmlns:a16="http://schemas.microsoft.com/office/drawing/2014/main" id="{E48EC775-CCEA-2DE7-4913-37CAB0483858}"/>
               </a:ext>
             </a:extLst>
           </p:cNvPr>
@@ -2992,7 +2992,7 @@
             </a:lvl1pPr>
           </a:lstStyle>
           <a:p>
-            <a:fld id="{789E09A1-7257-4164-AFCE-BCE09FE9B256}" type="slidenum">
+            <a:fld id="{DEBCE386-224B-4637-80E6-B90F526D7AA5}" type="slidenum">
               <a:rPr lang="zh-CN" altLang="en-US" smtClean="0"/>
               <a:t>‹#›</a:t>
             </a:fld>
@@ -3003,7 +3003,7 @@
     </p:spTree>
     <p:extLst>
       <p:ext uri="{BB962C8B-B14F-4D97-AF65-F5344CB8AC3E}">
-        <p14:creationId xmlns:p14="http://schemas.microsoft.com/office/powerpoint/2010/main" val="3796606246"/>
+        <p14:creationId xmlns:p14="http://schemas.microsoft.com/office/powerpoint/2010/main" val="440633460"/>
       </p:ext>
     </p:extLst>
   </p:cSld>
